--- a/docs/files/分词.pptx
+++ b/docs/files/分词.pptx
@@ -5,8 +5,10 @@
     <p:sldMasterId id="2147483648" r:id="rId1"/>
   </p:sldMasterIdLst>
   <p:sldIdLst>
-    <p:sldId id="256" r:id="rId2"/>
-    <p:sldId id="257" r:id="rId3"/>
+    <p:sldId id="258" r:id="rId2"/>
+    <p:sldId id="260" r:id="rId3"/>
+    <p:sldId id="259" r:id="rId4"/>
+    <p:sldId id="261" r:id="rId5"/>
   </p:sldIdLst>
   <p:sldSz cx="12192000" cy="6858000"/>
   <p:notesSz cx="6858000" cy="9144000"/>
@@ -105,6 +107,11 @@
       </a:defRPr>
     </a:lvl9pPr>
   </p:defaultTextStyle>
+  <p:extLst>
+    <p:ext uri="{EFAFB233-063F-42B5-8137-9DF3F51BA10A}">
+      <p15:sldGuideLst xmlns:p15="http://schemas.microsoft.com/office/powerpoint/2012/main"/>
+    </p:ext>
+  </p:extLst>
 </p:presentation>
 </file>
 
@@ -239,7 +246,7 @@
           <a:p>
             <a:fld id="{EDB775BF-22B9-45C0-BA79-AD8D6E2BAA18}" type="datetimeFigureOut">
               <a:rPr lang="zh-CN" altLang="en-US" smtClean="0"/>
-              <a:t>2019/11/12</a:t>
+              <a:t>2019/11/13</a:t>
             </a:fld>
             <a:endParaRPr lang="zh-CN" altLang="en-US"/>
           </a:p>
@@ -409,7 +416,7 @@
           <a:p>
             <a:fld id="{EDB775BF-22B9-45C0-BA79-AD8D6E2BAA18}" type="datetimeFigureOut">
               <a:rPr lang="zh-CN" altLang="en-US" smtClean="0"/>
-              <a:t>2019/11/12</a:t>
+              <a:t>2019/11/13</a:t>
             </a:fld>
             <a:endParaRPr lang="zh-CN" altLang="en-US"/>
           </a:p>
@@ -589,7 +596,7 @@
           <a:p>
             <a:fld id="{EDB775BF-22B9-45C0-BA79-AD8D6E2BAA18}" type="datetimeFigureOut">
               <a:rPr lang="zh-CN" altLang="en-US" smtClean="0"/>
-              <a:t>2019/11/12</a:t>
+              <a:t>2019/11/13</a:t>
             </a:fld>
             <a:endParaRPr lang="zh-CN" altLang="en-US"/>
           </a:p>
@@ -759,7 +766,7 @@
           <a:p>
             <a:fld id="{EDB775BF-22B9-45C0-BA79-AD8D6E2BAA18}" type="datetimeFigureOut">
               <a:rPr lang="zh-CN" altLang="en-US" smtClean="0"/>
-              <a:t>2019/11/12</a:t>
+              <a:t>2019/11/13</a:t>
             </a:fld>
             <a:endParaRPr lang="zh-CN" altLang="en-US"/>
           </a:p>
@@ -1005,7 +1012,7 @@
           <a:p>
             <a:fld id="{EDB775BF-22B9-45C0-BA79-AD8D6E2BAA18}" type="datetimeFigureOut">
               <a:rPr lang="zh-CN" altLang="en-US" smtClean="0"/>
-              <a:t>2019/11/12</a:t>
+              <a:t>2019/11/13</a:t>
             </a:fld>
             <a:endParaRPr lang="zh-CN" altLang="en-US"/>
           </a:p>
@@ -1237,7 +1244,7 @@
           <a:p>
             <a:fld id="{EDB775BF-22B9-45C0-BA79-AD8D6E2BAA18}" type="datetimeFigureOut">
               <a:rPr lang="zh-CN" altLang="en-US" smtClean="0"/>
-              <a:t>2019/11/12</a:t>
+              <a:t>2019/11/13</a:t>
             </a:fld>
             <a:endParaRPr lang="zh-CN" altLang="en-US"/>
           </a:p>
@@ -1604,7 +1611,7 @@
           <a:p>
             <a:fld id="{EDB775BF-22B9-45C0-BA79-AD8D6E2BAA18}" type="datetimeFigureOut">
               <a:rPr lang="zh-CN" altLang="en-US" smtClean="0"/>
-              <a:t>2019/11/12</a:t>
+              <a:t>2019/11/13</a:t>
             </a:fld>
             <a:endParaRPr lang="zh-CN" altLang="en-US"/>
           </a:p>
@@ -1722,7 +1729,7 @@
           <a:p>
             <a:fld id="{EDB775BF-22B9-45C0-BA79-AD8D6E2BAA18}" type="datetimeFigureOut">
               <a:rPr lang="zh-CN" altLang="en-US" smtClean="0"/>
-              <a:t>2019/11/12</a:t>
+              <a:t>2019/11/13</a:t>
             </a:fld>
             <a:endParaRPr lang="zh-CN" altLang="en-US"/>
           </a:p>
@@ -1817,7 +1824,7 @@
           <a:p>
             <a:fld id="{EDB775BF-22B9-45C0-BA79-AD8D6E2BAA18}" type="datetimeFigureOut">
               <a:rPr lang="zh-CN" altLang="en-US" smtClean="0"/>
-              <a:t>2019/11/12</a:t>
+              <a:t>2019/11/13</a:t>
             </a:fld>
             <a:endParaRPr lang="zh-CN" altLang="en-US"/>
           </a:p>
@@ -2094,7 +2101,7 @@
           <a:p>
             <a:fld id="{EDB775BF-22B9-45C0-BA79-AD8D6E2BAA18}" type="datetimeFigureOut">
               <a:rPr lang="zh-CN" altLang="en-US" smtClean="0"/>
-              <a:t>2019/11/12</a:t>
+              <a:t>2019/11/13</a:t>
             </a:fld>
             <a:endParaRPr lang="zh-CN" altLang="en-US"/>
           </a:p>
@@ -2347,7 +2354,7 @@
           <a:p>
             <a:fld id="{EDB775BF-22B9-45C0-BA79-AD8D6E2BAA18}" type="datetimeFigureOut">
               <a:rPr lang="zh-CN" altLang="en-US" smtClean="0"/>
-              <a:t>2019/11/12</a:t>
+              <a:t>2019/11/13</a:t>
             </a:fld>
             <a:endParaRPr lang="zh-CN" altLang="en-US"/>
           </a:p>
@@ -2560,7 +2567,7 @@
           <a:p>
             <a:fld id="{EDB775BF-22B9-45C0-BA79-AD8D6E2BAA18}" type="datetimeFigureOut">
               <a:rPr lang="zh-CN" altLang="en-US" smtClean="0"/>
-              <a:t>2019/11/12</a:t>
+              <a:t>2019/11/13</a:t>
             </a:fld>
             <a:endParaRPr lang="zh-CN" altLang="en-US"/>
           </a:p>
@@ -2967,7 +2974,7 @@
       </p:grpSpPr>
       <p:pic>
         <p:nvPicPr>
-          <p:cNvPr id="6" name="图片 5"/>
+          <p:cNvPr id="5" name="图片 4"/>
           <p:cNvPicPr>
             <a:picLocks noChangeAspect="1"/>
           </p:cNvPicPr>
@@ -2981,18 +2988,52 @@
         </p:blipFill>
         <p:spPr>
           <a:xfrm>
-            <a:off x="-279800" y="1064982"/>
-            <a:ext cx="13158002" cy="4617201"/>
+            <a:off x="1187060" y="1075597"/>
+            <a:ext cx="9023551" cy="4688334"/>
           </a:xfrm>
           <a:prstGeom prst="rect">
             <a:avLst/>
           </a:prstGeom>
         </p:spPr>
       </p:pic>
+      <p:sp>
+        <p:nvSpPr>
+          <p:cNvPr id="6" name="文本框 5"/>
+          <p:cNvSpPr txBox="1"/>
+          <p:nvPr/>
+        </p:nvSpPr>
+        <p:spPr>
+          <a:xfrm>
+            <a:off x="3920835" y="426720"/>
+            <a:ext cx="3556000" cy="461665"/>
+          </a:xfrm>
+          <a:prstGeom prst="rect">
+            <a:avLst/>
+          </a:prstGeom>
+          <a:noFill/>
+        </p:spPr>
+        <p:txBody>
+          <a:bodyPr wrap="square" rtlCol="0">
+            <a:spAutoFit/>
+          </a:bodyPr>
+          <a:lstStyle/>
+          <a:p>
+            <a:pPr algn="ctr"/>
+            <a:r>
+              <a:rPr lang="en-US" altLang="zh-CN" sz="2400" dirty="0"/>
+              <a:t>HTML</a:t>
+            </a:r>
+            <a:r>
+              <a:rPr lang="zh-CN" altLang="en-US" sz="2400" dirty="0"/>
+              <a:t>字符行列对照</a:t>
+            </a:r>
+          </a:p>
+        </p:txBody>
+      </p:sp>
     </p:spTree>
     <p:extLst>
       <p:ext uri="{BB962C8B-B14F-4D97-AF65-F5344CB8AC3E}">
-        <p14:creationId xmlns:p14="http://schemas.microsoft.com/office/powerpoint/2010/main" val="371965021"/>
+        <p14:creationId xmlns:p14="http://schemas.microsoft.com/office/powerpoint/2010/main" val="1345060526"/>
       </p:ext>
     </p:extLst>
   </p:cSld>
@@ -3021,7 +3062,7 @@
       </p:grpSpPr>
       <p:pic>
         <p:nvPicPr>
-          <p:cNvPr id="5" name="图片 4"/>
+          <p:cNvPr id="2" name="图片 1"/>
           <p:cNvPicPr>
             <a:picLocks noChangeAspect="1"/>
           </p:cNvPicPr>
@@ -3035,18 +3076,171 @@
         </p:blipFill>
         <p:spPr>
           <a:xfrm>
-            <a:off x="-806274" y="1333775"/>
-            <a:ext cx="13158002" cy="4449067"/>
+            <a:off x="-752591" y="1357733"/>
+            <a:ext cx="14022302" cy="5056934"/>
           </a:xfrm>
           <a:prstGeom prst="rect">
             <a:avLst/>
           </a:prstGeom>
         </p:spPr>
       </p:pic>
+      <p:sp>
+        <p:nvSpPr>
+          <p:cNvPr id="3" name="文本框 2"/>
+          <p:cNvSpPr txBox="1"/>
+          <p:nvPr/>
+        </p:nvSpPr>
+        <p:spPr>
+          <a:xfrm>
+            <a:off x="4347555" y="508000"/>
+            <a:ext cx="3556000" cy="461665"/>
+          </a:xfrm>
+          <a:prstGeom prst="rect">
+            <a:avLst/>
+          </a:prstGeom>
+          <a:noFill/>
+        </p:spPr>
+        <p:txBody>
+          <a:bodyPr wrap="square" rtlCol="0">
+            <a:spAutoFit/>
+          </a:bodyPr>
+          <a:lstStyle/>
+          <a:p>
+            <a:pPr algn="ctr"/>
+            <a:r>
+              <a:rPr lang="en-US" altLang="zh-CN" sz="2400" dirty="0" smtClean="0"/>
+              <a:t>HTML</a:t>
+            </a:r>
+            <a:r>
+              <a:rPr lang="zh-CN" altLang="en-US" sz="2400" dirty="0" smtClean="0"/>
+              <a:t>不同字符颜色填充</a:t>
+            </a:r>
+            <a:endParaRPr lang="zh-CN" altLang="en-US" sz="2400" dirty="0"/>
+          </a:p>
+        </p:txBody>
+      </p:sp>
     </p:spTree>
     <p:extLst>
       <p:ext uri="{BB962C8B-B14F-4D97-AF65-F5344CB8AC3E}">
-        <p14:creationId xmlns:p14="http://schemas.microsoft.com/office/powerpoint/2010/main" val="1706632395"/>
+        <p14:creationId xmlns:p14="http://schemas.microsoft.com/office/powerpoint/2010/main" val="3197482249"/>
+      </p:ext>
+    </p:extLst>
+  </p:cSld>
+  <p:clrMapOvr>
+    <a:masterClrMapping/>
+  </p:clrMapOvr>
+</p:sld>
+</file>
+
+<file path=ppt/slides/slide3.xml><?xml version="1.0" encoding="utf-8"?>
+<p:sld xmlns:a="http://schemas.openxmlformats.org/drawingml/2006/main" xmlns:r="http://schemas.openxmlformats.org/officeDocument/2006/relationships" xmlns:p="http://schemas.openxmlformats.org/presentationml/2006/main">
+  <p:cSld>
+    <p:spTree>
+      <p:nvGrpSpPr>
+        <p:cNvPr id="1" name=""/>
+        <p:cNvGrpSpPr/>
+        <p:nvPr/>
+      </p:nvGrpSpPr>
+      <p:grpSpPr>
+        <a:xfrm>
+          <a:off x="0" y="0"/>
+          <a:ext cx="0" cy="0"/>
+          <a:chOff x="0" y="0"/>
+          <a:chExt cx="0" cy="0"/>
+        </a:xfrm>
+      </p:grpSpPr>
+      <p:pic>
+        <p:nvPicPr>
+          <p:cNvPr id="4" name="图片 3"/>
+          <p:cNvPicPr>
+            <a:picLocks noChangeAspect="1"/>
+          </p:cNvPicPr>
+          <p:nvPr/>
+        </p:nvPicPr>
+        <p:blipFill>
+          <a:blip r:embed="rId2"/>
+          <a:stretch>
+            <a:fillRect/>
+          </a:stretch>
+        </p:blipFill>
+        <p:spPr>
+          <a:xfrm>
+            <a:off x="-640080" y="1569105"/>
+            <a:ext cx="13338602" cy="4765934"/>
+          </a:xfrm>
+          <a:prstGeom prst="rect">
+            <a:avLst/>
+          </a:prstGeom>
+        </p:spPr>
+      </p:pic>
+      <p:sp>
+        <p:nvSpPr>
+          <p:cNvPr id="6" name="文本框 5"/>
+          <p:cNvSpPr txBox="1"/>
+          <p:nvPr/>
+        </p:nvSpPr>
+        <p:spPr>
+          <a:xfrm>
+            <a:off x="3920835" y="426720"/>
+            <a:ext cx="3556000" cy="461665"/>
+          </a:xfrm>
+          <a:prstGeom prst="rect">
+            <a:avLst/>
+          </a:prstGeom>
+          <a:noFill/>
+        </p:spPr>
+        <p:txBody>
+          <a:bodyPr wrap="square" rtlCol="0">
+            <a:spAutoFit/>
+          </a:bodyPr>
+          <a:lstStyle/>
+          <a:p>
+            <a:pPr algn="ctr"/>
+            <a:r>
+              <a:rPr lang="en-US" altLang="zh-CN" sz="2400" dirty="0"/>
+              <a:t>HTML</a:t>
+            </a:r>
+            <a:r>
+              <a:rPr lang="zh-CN" altLang="en-US" sz="2400" dirty="0"/>
+              <a:t>字符对应行列索引</a:t>
+            </a:r>
+          </a:p>
+        </p:txBody>
+      </p:sp>
+    </p:spTree>
+    <p:extLst>
+      <p:ext uri="{BB962C8B-B14F-4D97-AF65-F5344CB8AC3E}">
+        <p14:creationId xmlns:p14="http://schemas.microsoft.com/office/powerpoint/2010/main" val="1076264726"/>
+      </p:ext>
+    </p:extLst>
+  </p:cSld>
+  <p:clrMapOvr>
+    <a:masterClrMapping/>
+  </p:clrMapOvr>
+</p:sld>
+</file>
+
+<file path=ppt/slides/slide4.xml><?xml version="1.0" encoding="utf-8"?>
+<p:sld xmlns:a="http://schemas.openxmlformats.org/drawingml/2006/main" xmlns:r="http://schemas.openxmlformats.org/officeDocument/2006/relationships" xmlns:p="http://schemas.openxmlformats.org/presentationml/2006/main">
+  <p:cSld>
+    <p:spTree>
+      <p:nvGrpSpPr>
+        <p:cNvPr id="1" name=""/>
+        <p:cNvGrpSpPr/>
+        <p:nvPr/>
+      </p:nvGrpSpPr>
+      <p:grpSpPr>
+        <a:xfrm>
+          <a:off x="0" y="0"/>
+          <a:ext cx="0" cy="0"/>
+          <a:chOff x="0" y="0"/>
+          <a:chExt cx="0" cy="0"/>
+        </a:xfrm>
+      </p:grpSpPr>
+    </p:spTree>
+    <p:extLst>
+      <p:ext uri="{BB962C8B-B14F-4D97-AF65-F5344CB8AC3E}">
+        <p14:creationId xmlns:p14="http://schemas.microsoft.com/office/powerpoint/2010/main" val="1094327077"/>
       </p:ext>
     </p:extLst>
   </p:cSld>
